--- a/ui/images/meta.pptx
+++ b/ui/images/meta.pptx
@@ -341,7 +341,7 @@
             <a:fld id="{B61BEF0D-F0BB-DE4B-95CE-6DB70DBA9567}" type="datetimeFigureOut">
               <a:rPr lang="en-US" dirty="0"/>
               <a:pPr/>
-              <a:t>12/18/21</a:t>
+              <a:t>12/19/21</a:t>
             </a:fld>
             <a:endParaRPr lang="en-US" dirty="0"/>
           </a:p>
@@ -670,7 +670,7 @@
             <a:fld id="{B61BEF0D-F0BB-DE4B-95CE-6DB70DBA9567}" type="datetimeFigureOut">
               <a:rPr lang="en-US" dirty="0"/>
               <a:pPr/>
-              <a:t>12/18/21</a:t>
+              <a:t>12/19/21</a:t>
             </a:fld>
             <a:endParaRPr lang="en-US" dirty="0"/>
           </a:p>
@@ -944,7 +944,7 @@
             <a:fld id="{B61BEF0D-F0BB-DE4B-95CE-6DB70DBA9567}" type="datetimeFigureOut">
               <a:rPr lang="en-US" dirty="0"/>
               <a:pPr/>
-              <a:t>12/18/21</a:t>
+              <a:t>12/19/21</a:t>
             </a:fld>
             <a:endParaRPr lang="en-US" dirty="0"/>
           </a:p>
@@ -1508,7 +1508,7 @@
             <a:fld id="{B61BEF0D-F0BB-DE4B-95CE-6DB70DBA9567}" type="datetimeFigureOut">
               <a:rPr lang="en-US" dirty="0"/>
               <a:pPr/>
-              <a:t>12/18/21</a:t>
+              <a:t>12/19/21</a:t>
             </a:fld>
             <a:endParaRPr lang="en-US" dirty="0"/>
           </a:p>
@@ -1782,7 +1782,7 @@
             <a:fld id="{B61BEF0D-F0BB-DE4B-95CE-6DB70DBA9567}" type="datetimeFigureOut">
               <a:rPr lang="en-US" dirty="0"/>
               <a:pPr/>
-              <a:t>12/18/21</a:t>
+              <a:t>12/19/21</a:t>
             </a:fld>
             <a:endParaRPr lang="en-US" dirty="0"/>
           </a:p>
@@ -2340,7 +2340,7 @@
             <a:fld id="{B61BEF0D-F0BB-DE4B-95CE-6DB70DBA9567}" type="datetimeFigureOut">
               <a:rPr lang="en-US" dirty="0"/>
               <a:pPr/>
-              <a:t>12/18/21</a:t>
+              <a:t>12/19/21</a:t>
             </a:fld>
             <a:endParaRPr lang="en-US" dirty="0"/>
           </a:p>
@@ -2663,7 +2663,7 @@
             <a:fld id="{B61BEF0D-F0BB-DE4B-95CE-6DB70DBA9567}" type="datetimeFigureOut">
               <a:rPr lang="en-US" dirty="0"/>
               <a:pPr/>
-              <a:t>12/18/21</a:t>
+              <a:t>12/19/21</a:t>
             </a:fld>
             <a:endParaRPr lang="en-US" dirty="0"/>
           </a:p>
@@ -2836,7 +2836,7 @@
             <a:fld id="{B61BEF0D-F0BB-DE4B-95CE-6DB70DBA9567}" type="datetimeFigureOut">
               <a:rPr lang="en-US" dirty="0"/>
               <a:pPr/>
-              <a:t>12/18/21</a:t>
+              <a:t>12/19/21</a:t>
             </a:fld>
             <a:endParaRPr lang="en-US" dirty="0"/>
           </a:p>
@@ -3068,7 +3068,7 @@
             <a:fld id="{B61BEF0D-F0BB-DE4B-95CE-6DB70DBA9567}" type="datetimeFigureOut">
               <a:rPr lang="en-US" dirty="0"/>
               <a:pPr/>
-              <a:t>12/18/21</a:t>
+              <a:t>12/19/21</a:t>
             </a:fld>
             <a:endParaRPr lang="en-US" dirty="0"/>
           </a:p>
@@ -3263,7 +3263,7 @@
             <a:fld id="{B61BEF0D-F0BB-DE4B-95CE-6DB70DBA9567}" type="datetimeFigureOut">
               <a:rPr lang="en-US" dirty="0"/>
               <a:pPr/>
-              <a:t>12/18/21</a:t>
+              <a:t>12/19/21</a:t>
             </a:fld>
             <a:endParaRPr lang="en-US" dirty="0"/>
           </a:p>
@@ -3535,7 +3535,7 @@
             <a:fld id="{B61BEF0D-F0BB-DE4B-95CE-6DB70DBA9567}" type="datetimeFigureOut">
               <a:rPr lang="en-US" dirty="0"/>
               <a:pPr/>
-              <a:t>12/18/21</a:t>
+              <a:t>12/19/21</a:t>
             </a:fld>
             <a:endParaRPr lang="en-US" dirty="0"/>
           </a:p>
@@ -3795,7 +3795,7 @@
             <a:fld id="{B61BEF0D-F0BB-DE4B-95CE-6DB70DBA9567}" type="datetimeFigureOut">
               <a:rPr lang="en-US" dirty="0"/>
               <a:pPr/>
-              <a:t>12/18/21</a:t>
+              <a:t>12/19/21</a:t>
             </a:fld>
             <a:endParaRPr lang="en-US" dirty="0"/>
           </a:p>
@@ -4163,7 +4163,7 @@
             <a:fld id="{B61BEF0D-F0BB-DE4B-95CE-6DB70DBA9567}" type="datetimeFigureOut">
               <a:rPr lang="en-US" dirty="0"/>
               <a:pPr/>
-              <a:t>12/18/21</a:t>
+              <a:t>12/19/21</a:t>
             </a:fld>
             <a:endParaRPr lang="en-US" dirty="0"/>
           </a:p>
@@ -4307,7 +4307,7 @@
             <a:fld id="{B61BEF0D-F0BB-DE4B-95CE-6DB70DBA9567}" type="datetimeFigureOut">
               <a:rPr lang="en-US" dirty="0"/>
               <a:pPr/>
-              <a:t>12/18/21</a:t>
+              <a:t>12/19/21</a:t>
             </a:fld>
             <a:endParaRPr lang="en-US" dirty="0"/>
           </a:p>
@@ -4429,7 +4429,7 @@
             <a:fld id="{B61BEF0D-F0BB-DE4B-95CE-6DB70DBA9567}" type="datetimeFigureOut">
               <a:rPr lang="en-US" dirty="0"/>
               <a:pPr/>
-              <a:t>12/18/21</a:t>
+              <a:t>12/19/21</a:t>
             </a:fld>
             <a:endParaRPr lang="en-US" dirty="0"/>
           </a:p>
@@ -4709,7 +4709,7 @@
             <a:fld id="{B61BEF0D-F0BB-DE4B-95CE-6DB70DBA9567}" type="datetimeFigureOut">
               <a:rPr lang="en-US" dirty="0"/>
               <a:pPr/>
-              <a:t>12/18/21</a:t>
+              <a:t>12/19/21</a:t>
             </a:fld>
             <a:endParaRPr lang="en-US" dirty="0"/>
           </a:p>
@@ -5028,7 +5028,7 @@
             <a:fld id="{B61BEF0D-F0BB-DE4B-95CE-6DB70DBA9567}" type="datetimeFigureOut">
               <a:rPr lang="en-US" dirty="0"/>
               <a:pPr/>
-              <a:t>12/18/21</a:t>
+              <a:t>12/19/21</a:t>
             </a:fld>
             <a:endParaRPr lang="en-US" dirty="0"/>
           </a:p>
@@ -5237,7 +5237,7 @@
             <a:fld id="{B61BEF0D-F0BB-DE4B-95CE-6DB70DBA9567}" type="datetimeFigureOut">
               <a:rPr lang="en-US" dirty="0"/>
               <a:pPr/>
-              <a:t>12/18/21</a:t>
+              <a:t>12/19/21</a:t>
             </a:fld>
             <a:endParaRPr lang="en-US" dirty="0"/>
           </a:p>
@@ -6052,8 +6052,8 @@
         </p:nvSpPr>
         <p:spPr>
           <a:xfrm>
-            <a:off x="791670" y="3926361"/>
-            <a:ext cx="1468245" cy="276999"/>
+            <a:off x="348343" y="3937247"/>
+            <a:ext cx="2296886" cy="276999"/>
           </a:xfrm>
           <a:prstGeom prst="rect">
             <a:avLst/>
@@ -6078,6 +6078,10 @@
             <a:r>
               <a:rPr lang="en-US" altLang="zh-CN" sz="1200"/>
               <a:t>JFrog CLI</a:t>
+            </a:r>
+            <a:r>
+              <a:rPr lang="zh-CN" altLang="en-US" sz="1200"/>
+              <a:t>（命令行工具）</a:t>
             </a:r>
             <a:endParaRPr lang="en-CN" sz="1200"/>
           </a:p>
@@ -6253,7 +6257,7 @@
             </a:r>
             <a:r>
               <a:rPr lang="zh-CN" altLang="en-US" sz="1200"/>
-              <a:t>（质量门禁）</a:t>
+              <a:t>（查询语言）</a:t>
             </a:r>
             <a:endParaRPr lang="en-CN" sz="1200"/>
           </a:p>
@@ -6701,7 +6705,7 @@
         </p:blipFill>
         <p:spPr>
           <a:xfrm>
-            <a:off x="6099034" y="3138781"/>
+            <a:off x="6001060" y="3138781"/>
             <a:ext cx="715830" cy="715830"/>
           </a:xfrm>
           <a:prstGeom prst="rect">
@@ -6723,7 +6727,7 @@
         </p:nvSpPr>
         <p:spPr>
           <a:xfrm>
-            <a:off x="5362955" y="2846123"/>
+            <a:off x="5264981" y="2846123"/>
             <a:ext cx="2187987" cy="307777"/>
           </a:xfrm>
           <a:prstGeom prst="rect">

--- a/ui/images/meta.pptx
+++ b/ui/images/meta.pptx
@@ -5,8 +5,9 @@
     <p:sldMasterId id="2147483648" r:id="rId1"/>
   </p:sldMasterIdLst>
   <p:sldIdLst>
-    <p:sldId id="259" r:id="rId2"/>
-    <p:sldId id="258" r:id="rId3"/>
+    <p:sldId id="260" r:id="rId2"/>
+    <p:sldId id="259" r:id="rId3"/>
+    <p:sldId id="258" r:id="rId4"/>
   </p:sldIdLst>
   <p:sldSz cx="12192000" cy="6858000"/>
   <p:notesSz cx="6858000" cy="9144000"/>
@@ -341,7 +342,7 @@
             <a:fld id="{B61BEF0D-F0BB-DE4B-95CE-6DB70DBA9567}" type="datetimeFigureOut">
               <a:rPr lang="en-US" dirty="0"/>
               <a:pPr/>
-              <a:t>12/19/21</a:t>
+              <a:t>12/22/21</a:t>
             </a:fld>
             <a:endParaRPr lang="en-US" dirty="0"/>
           </a:p>
@@ -670,7 +671,7 @@
             <a:fld id="{B61BEF0D-F0BB-DE4B-95CE-6DB70DBA9567}" type="datetimeFigureOut">
               <a:rPr lang="en-US" dirty="0"/>
               <a:pPr/>
-              <a:t>12/19/21</a:t>
+              <a:t>12/22/21</a:t>
             </a:fld>
             <a:endParaRPr lang="en-US" dirty="0"/>
           </a:p>
@@ -944,7 +945,7 @@
             <a:fld id="{B61BEF0D-F0BB-DE4B-95CE-6DB70DBA9567}" type="datetimeFigureOut">
               <a:rPr lang="en-US" dirty="0"/>
               <a:pPr/>
-              <a:t>12/19/21</a:t>
+              <a:t>12/22/21</a:t>
             </a:fld>
             <a:endParaRPr lang="en-US" dirty="0"/>
           </a:p>
@@ -1508,7 +1509,7 @@
             <a:fld id="{B61BEF0D-F0BB-DE4B-95CE-6DB70DBA9567}" type="datetimeFigureOut">
               <a:rPr lang="en-US" dirty="0"/>
               <a:pPr/>
-              <a:t>12/19/21</a:t>
+              <a:t>12/22/21</a:t>
             </a:fld>
             <a:endParaRPr lang="en-US" dirty="0"/>
           </a:p>
@@ -1782,7 +1783,7 @@
             <a:fld id="{B61BEF0D-F0BB-DE4B-95CE-6DB70DBA9567}" type="datetimeFigureOut">
               <a:rPr lang="en-US" dirty="0"/>
               <a:pPr/>
-              <a:t>12/19/21</a:t>
+              <a:t>12/22/21</a:t>
             </a:fld>
             <a:endParaRPr lang="en-US" dirty="0"/>
           </a:p>
@@ -2340,7 +2341,7 @@
             <a:fld id="{B61BEF0D-F0BB-DE4B-95CE-6DB70DBA9567}" type="datetimeFigureOut">
               <a:rPr lang="en-US" dirty="0"/>
               <a:pPr/>
-              <a:t>12/19/21</a:t>
+              <a:t>12/22/21</a:t>
             </a:fld>
             <a:endParaRPr lang="en-US" dirty="0"/>
           </a:p>
@@ -2663,7 +2664,7 @@
             <a:fld id="{B61BEF0D-F0BB-DE4B-95CE-6DB70DBA9567}" type="datetimeFigureOut">
               <a:rPr lang="en-US" dirty="0"/>
               <a:pPr/>
-              <a:t>12/19/21</a:t>
+              <a:t>12/22/21</a:t>
             </a:fld>
             <a:endParaRPr lang="en-US" dirty="0"/>
           </a:p>
@@ -2836,7 +2837,7 @@
             <a:fld id="{B61BEF0D-F0BB-DE4B-95CE-6DB70DBA9567}" type="datetimeFigureOut">
               <a:rPr lang="en-US" dirty="0"/>
               <a:pPr/>
-              <a:t>12/19/21</a:t>
+              <a:t>12/22/21</a:t>
             </a:fld>
             <a:endParaRPr lang="en-US" dirty="0"/>
           </a:p>
@@ -3068,7 +3069,7 @@
             <a:fld id="{B61BEF0D-F0BB-DE4B-95CE-6DB70DBA9567}" type="datetimeFigureOut">
               <a:rPr lang="en-US" dirty="0"/>
               <a:pPr/>
-              <a:t>12/19/21</a:t>
+              <a:t>12/22/21</a:t>
             </a:fld>
             <a:endParaRPr lang="en-US" dirty="0"/>
           </a:p>
@@ -3263,7 +3264,7 @@
             <a:fld id="{B61BEF0D-F0BB-DE4B-95CE-6DB70DBA9567}" type="datetimeFigureOut">
               <a:rPr lang="en-US" dirty="0"/>
               <a:pPr/>
-              <a:t>12/19/21</a:t>
+              <a:t>12/22/21</a:t>
             </a:fld>
             <a:endParaRPr lang="en-US" dirty="0"/>
           </a:p>
@@ -3535,7 +3536,7 @@
             <a:fld id="{B61BEF0D-F0BB-DE4B-95CE-6DB70DBA9567}" type="datetimeFigureOut">
               <a:rPr lang="en-US" dirty="0"/>
               <a:pPr/>
-              <a:t>12/19/21</a:t>
+              <a:t>12/22/21</a:t>
             </a:fld>
             <a:endParaRPr lang="en-US" dirty="0"/>
           </a:p>
@@ -3795,7 +3796,7 @@
             <a:fld id="{B61BEF0D-F0BB-DE4B-95CE-6DB70DBA9567}" type="datetimeFigureOut">
               <a:rPr lang="en-US" dirty="0"/>
               <a:pPr/>
-              <a:t>12/19/21</a:t>
+              <a:t>12/22/21</a:t>
             </a:fld>
             <a:endParaRPr lang="en-US" dirty="0"/>
           </a:p>
@@ -4163,7 +4164,7 @@
             <a:fld id="{B61BEF0D-F0BB-DE4B-95CE-6DB70DBA9567}" type="datetimeFigureOut">
               <a:rPr lang="en-US" dirty="0"/>
               <a:pPr/>
-              <a:t>12/19/21</a:t>
+              <a:t>12/22/21</a:t>
             </a:fld>
             <a:endParaRPr lang="en-US" dirty="0"/>
           </a:p>
@@ -4307,7 +4308,7 @@
             <a:fld id="{B61BEF0D-F0BB-DE4B-95CE-6DB70DBA9567}" type="datetimeFigureOut">
               <a:rPr lang="en-US" dirty="0"/>
               <a:pPr/>
-              <a:t>12/19/21</a:t>
+              <a:t>12/22/21</a:t>
             </a:fld>
             <a:endParaRPr lang="en-US" dirty="0"/>
           </a:p>
@@ -4429,7 +4430,7 @@
             <a:fld id="{B61BEF0D-F0BB-DE4B-95CE-6DB70DBA9567}" type="datetimeFigureOut">
               <a:rPr lang="en-US" dirty="0"/>
               <a:pPr/>
-              <a:t>12/19/21</a:t>
+              <a:t>12/22/21</a:t>
             </a:fld>
             <a:endParaRPr lang="en-US" dirty="0"/>
           </a:p>
@@ -4709,7 +4710,7 @@
             <a:fld id="{B61BEF0D-F0BB-DE4B-95CE-6DB70DBA9567}" type="datetimeFigureOut">
               <a:rPr lang="en-US" dirty="0"/>
               <a:pPr/>
-              <a:t>12/19/21</a:t>
+              <a:t>12/22/21</a:t>
             </a:fld>
             <a:endParaRPr lang="en-US" dirty="0"/>
           </a:p>
@@ -5028,7 +5029,7 @@
             <a:fld id="{B61BEF0D-F0BB-DE4B-95CE-6DB70DBA9567}" type="datetimeFigureOut">
               <a:rPr lang="en-US" dirty="0"/>
               <a:pPr/>
-              <a:t>12/19/21</a:t>
+              <a:t>12/22/21</a:t>
             </a:fld>
             <a:endParaRPr lang="en-US" dirty="0"/>
           </a:p>
@@ -5237,7 +5238,7 @@
             <a:fld id="{B61BEF0D-F0BB-DE4B-95CE-6DB70DBA9567}" type="datetimeFigureOut">
               <a:rPr lang="en-US" dirty="0"/>
               <a:pPr/>
-              <a:t>12/19/21</a:t>
+              <a:t>12/22/21</a:t>
             </a:fld>
             <a:endParaRPr lang="en-US" dirty="0"/>
           </a:p>
@@ -5746,6 +5747,131 @@
           <a:chExt cx="0" cy="0"/>
         </a:xfrm>
       </p:grpSpPr>
+      <p:pic>
+        <p:nvPicPr>
+          <p:cNvPr id="5" name="Picture 4">
+            <a:extLst>
+              <a:ext uri="{FF2B5EF4-FFF2-40B4-BE49-F238E27FC236}">
+                <a16:creationId xmlns:a16="http://schemas.microsoft.com/office/drawing/2014/main" id="{B8892FEA-0968-F045-94A1-857C9ECBB006}"/>
+              </a:ext>
+            </a:extLst>
+          </p:cNvPr>
+          <p:cNvPicPr>
+            <a:picLocks noChangeAspect="1"/>
+          </p:cNvPicPr>
+          <p:nvPr/>
+        </p:nvPicPr>
+        <p:blipFill>
+          <a:blip r:embed="rId2"/>
+          <a:stretch>
+            <a:fillRect/>
+          </a:stretch>
+        </p:blipFill>
+        <p:spPr>
+          <a:xfrm>
+            <a:off x="0" y="0"/>
+            <a:ext cx="4572000" cy="6858000"/>
+          </a:xfrm>
+          <a:prstGeom prst="rect">
+            <a:avLst/>
+          </a:prstGeom>
+        </p:spPr>
+      </p:pic>
+      <p:pic>
+        <p:nvPicPr>
+          <p:cNvPr id="7" name="Picture 6">
+            <a:extLst>
+              <a:ext uri="{FF2B5EF4-FFF2-40B4-BE49-F238E27FC236}">
+                <a16:creationId xmlns:a16="http://schemas.microsoft.com/office/drawing/2014/main" id="{F26F137C-0C68-594B-9FEB-74633803A850}"/>
+              </a:ext>
+            </a:extLst>
+          </p:cNvPr>
+          <p:cNvPicPr>
+            <a:picLocks noChangeAspect="1"/>
+          </p:cNvPicPr>
+          <p:nvPr/>
+        </p:nvPicPr>
+        <p:blipFill>
+          <a:blip r:embed="rId3"/>
+          <a:stretch>
+            <a:fillRect/>
+          </a:stretch>
+        </p:blipFill>
+        <p:spPr>
+          <a:xfrm>
+            <a:off x="7860632" y="0"/>
+            <a:ext cx="4331368" cy="6858000"/>
+          </a:xfrm>
+          <a:prstGeom prst="rect">
+            <a:avLst/>
+          </a:prstGeom>
+        </p:spPr>
+      </p:pic>
+      <p:sp>
+        <p:nvSpPr>
+          <p:cNvPr id="8" name="TextBox 7">
+            <a:extLst>
+              <a:ext uri="{FF2B5EF4-FFF2-40B4-BE49-F238E27FC236}">
+                <a16:creationId xmlns:a16="http://schemas.microsoft.com/office/drawing/2014/main" id="{75429332-D741-2848-A292-07B0E5F76DF6}"/>
+              </a:ext>
+            </a:extLst>
+          </p:cNvPr>
+          <p:cNvSpPr txBox="1"/>
+          <p:nvPr/>
+        </p:nvSpPr>
+        <p:spPr>
+          <a:xfrm>
+            <a:off x="5802085" y="2226128"/>
+            <a:ext cx="836191" cy="2405743"/>
+          </a:xfrm>
+          <a:prstGeom prst="rect">
+            <a:avLst/>
+          </a:prstGeom>
+          <a:noFill/>
+        </p:spPr>
+        <p:txBody>
+          <a:bodyPr vert="wordArtVert" wrap="square" rtlCol="0">
+            <a:spAutoFit/>
+          </a:bodyPr>
+          <a:lstStyle/>
+          <a:p>
+            <a:r>
+              <a:rPr lang="en-CN" sz="3300"/>
+              <a:t>元宇宙</a:t>
+            </a:r>
+          </a:p>
+        </p:txBody>
+      </p:sp>
+    </p:spTree>
+    <p:extLst>
+      <p:ext uri="{BB962C8B-B14F-4D97-AF65-F5344CB8AC3E}">
+        <p14:creationId xmlns:p14="http://schemas.microsoft.com/office/powerpoint/2010/main" val="1017106070"/>
+      </p:ext>
+    </p:extLst>
+  </p:cSld>
+  <p:clrMapOvr>
+    <a:masterClrMapping/>
+  </p:clrMapOvr>
+</p:sld>
+</file>
+
+<file path=ppt/slides/slide2.xml><?xml version="1.0" encoding="utf-8"?>
+<p:sld xmlns:a="http://schemas.openxmlformats.org/drawingml/2006/main" xmlns:r="http://schemas.openxmlformats.org/officeDocument/2006/relationships" xmlns:p="http://schemas.openxmlformats.org/presentationml/2006/main">
+  <p:cSld>
+    <p:spTree>
+      <p:nvGrpSpPr>
+        <p:cNvPr id="1" name=""/>
+        <p:cNvGrpSpPr/>
+        <p:nvPr/>
+      </p:nvGrpSpPr>
+      <p:grpSpPr>
+        <a:xfrm>
+          <a:off x="0" y="0"/>
+          <a:ext cx="0" cy="0"/>
+          <a:chOff x="0" y="0"/>
+          <a:chExt cx="0" cy="0"/>
+        </a:xfrm>
+      </p:grpSpPr>
       <p:sp>
         <p:nvSpPr>
           <p:cNvPr id="12" name="TextBox 11">
@@ -6797,7 +6923,7 @@
 </p:sld>
 </file>
 
-<file path=ppt/slides/slide2.xml><?xml version="1.0" encoding="utf-8"?>
+<file path=ppt/slides/slide3.xml><?xml version="1.0" encoding="utf-8"?>
 <p:sld xmlns:a="http://schemas.openxmlformats.org/drawingml/2006/main" xmlns:r="http://schemas.openxmlformats.org/officeDocument/2006/relationships" xmlns:p="http://schemas.openxmlformats.org/presentationml/2006/main">
   <p:cSld>
     <p:spTree>
@@ -6814,266 +6940,322 @@
           <a:chExt cx="0" cy="0"/>
         </a:xfrm>
       </p:grpSpPr>
-      <p:grpSp>
-        <p:nvGrpSpPr>
-          <p:cNvPr id="13" name="Group 12">
+      <p:sp>
+        <p:nvSpPr>
+          <p:cNvPr id="12" name="Bent-Up Arrow 11">
             <a:extLst>
               <a:ext uri="{FF2B5EF4-FFF2-40B4-BE49-F238E27FC236}">
-                <a16:creationId xmlns:a16="http://schemas.microsoft.com/office/drawing/2014/main" id="{900BEBFC-0063-B54E-A23C-A6746CC7BE79}"/>
+                <a16:creationId xmlns:a16="http://schemas.microsoft.com/office/drawing/2014/main" id="{9B076383-AEA6-6040-869E-C92736C717FA}"/>
               </a:ext>
             </a:extLst>
           </p:cNvPr>
-          <p:cNvGrpSpPr/>
+          <p:cNvSpPr/>
           <p:nvPr/>
-        </p:nvGrpSpPr>
-        <p:grpSpPr>
-          <a:xfrm>
-            <a:off x="2221092" y="1503321"/>
-            <a:ext cx="7749816" cy="4491376"/>
-            <a:chOff x="2221092" y="1600140"/>
-            <a:chExt cx="7749816" cy="4491376"/>
-          </a:xfrm>
-        </p:grpSpPr>
-        <p:grpSp>
-          <p:nvGrpSpPr>
-            <p:cNvPr id="11" name="Group 10">
-              <a:extLst>
-                <a:ext uri="{FF2B5EF4-FFF2-40B4-BE49-F238E27FC236}">
-                  <a16:creationId xmlns:a16="http://schemas.microsoft.com/office/drawing/2014/main" id="{30CE09A1-DA41-CB48-99BA-634D01CF8144}"/>
-                </a:ext>
-              </a:extLst>
-            </p:cNvPr>
-            <p:cNvGrpSpPr/>
-            <p:nvPr/>
-          </p:nvGrpSpPr>
-          <p:grpSpPr>
-            <a:xfrm>
-              <a:off x="2221092" y="1600140"/>
-              <a:ext cx="7749816" cy="3657719"/>
-              <a:chOff x="2016526" y="1391349"/>
-              <a:chExt cx="7749816" cy="3657719"/>
-            </a:xfrm>
-          </p:grpSpPr>
-          <p:grpSp>
-            <p:nvGrpSpPr>
-              <p:cNvPr id="7" name="Group 6">
-                <a:extLst>
-                  <a:ext uri="{FF2B5EF4-FFF2-40B4-BE49-F238E27FC236}">
-                    <a16:creationId xmlns:a16="http://schemas.microsoft.com/office/drawing/2014/main" id="{674F7FE1-FA14-7749-A386-56A8A74512F6}"/>
-                  </a:ext>
-                </a:extLst>
-              </p:cNvPr>
-              <p:cNvGrpSpPr/>
-              <p:nvPr/>
-            </p:nvGrpSpPr>
-            <p:grpSpPr>
-              <a:xfrm>
-                <a:off x="2016526" y="1391349"/>
-                <a:ext cx="3229811" cy="3657719"/>
-                <a:chOff x="2037073" y="1194621"/>
-                <a:chExt cx="3229811" cy="3657719"/>
-              </a:xfrm>
-            </p:grpSpPr>
-            <p:pic>
-              <p:nvPicPr>
-                <p:cNvPr id="5" name="Picture 4">
-                  <a:extLst>
-                    <a:ext uri="{FF2B5EF4-FFF2-40B4-BE49-F238E27FC236}">
-                      <a16:creationId xmlns:a16="http://schemas.microsoft.com/office/drawing/2014/main" id="{0866CFB1-6B22-F349-ACEC-47DC7D60BC38}"/>
-                    </a:ext>
-                  </a:extLst>
-                </p:cNvPr>
-                <p:cNvPicPr>
-                  <a:picLocks noChangeAspect="1"/>
-                </p:cNvPicPr>
-                <p:nvPr/>
-              </p:nvPicPr>
-              <p:blipFill>
-                <a:blip r:embed="rId2"/>
-                <a:stretch>
-                  <a:fillRect/>
-                </a:stretch>
-              </p:blipFill>
-              <p:spPr>
-                <a:xfrm>
-                  <a:off x="2037073" y="1563956"/>
-                  <a:ext cx="3229811" cy="3288384"/>
-                </a:xfrm>
-                <a:prstGeom prst="rect">
-                  <a:avLst/>
-                </a:prstGeom>
-              </p:spPr>
-            </p:pic>
-            <p:sp>
-              <p:nvSpPr>
-                <p:cNvPr id="6" name="TextBox 5">
-                  <a:extLst>
-                    <a:ext uri="{FF2B5EF4-FFF2-40B4-BE49-F238E27FC236}">
-                      <a16:creationId xmlns:a16="http://schemas.microsoft.com/office/drawing/2014/main" id="{EA9E9E3F-B1B1-2945-9177-7E22A0EE16BC}"/>
-                    </a:ext>
-                  </a:extLst>
-                </p:cNvPr>
-                <p:cNvSpPr txBox="1"/>
-                <p:nvPr/>
-              </p:nvSpPr>
-              <p:spPr>
-                <a:xfrm>
-                  <a:off x="3059311" y="1194621"/>
-                  <a:ext cx="1107996" cy="369332"/>
-                </a:xfrm>
-                <a:prstGeom prst="rect">
-                  <a:avLst/>
-                </a:prstGeom>
-                <a:noFill/>
-              </p:spPr>
-              <p:txBody>
-                <a:bodyPr wrap="none" rtlCol="0">
-                  <a:spAutoFit/>
-                </a:bodyPr>
-                <a:lstStyle/>
-                <a:p>
-                  <a:r>
-                    <a:rPr lang="en-CN"/>
-                    <a:t>加我微信</a:t>
-                  </a:r>
-                </a:p>
-              </p:txBody>
-            </p:sp>
-          </p:grpSp>
-          <p:grpSp>
-            <p:nvGrpSpPr>
-              <p:cNvPr id="8" name="Group 7">
-                <a:extLst>
-                  <a:ext uri="{FF2B5EF4-FFF2-40B4-BE49-F238E27FC236}">
-                    <a16:creationId xmlns:a16="http://schemas.microsoft.com/office/drawing/2014/main" id="{34524D5F-7610-9B49-82A8-2B724F2E5230}"/>
-                  </a:ext>
-                </a:extLst>
-              </p:cNvPr>
-              <p:cNvGrpSpPr/>
-              <p:nvPr/>
-            </p:nvGrpSpPr>
-            <p:grpSpPr>
-              <a:xfrm>
-                <a:off x="6536531" y="1391349"/>
-                <a:ext cx="3229811" cy="3657719"/>
-                <a:chOff x="1617525" y="1218747"/>
-                <a:chExt cx="3229811" cy="3657719"/>
-              </a:xfrm>
-            </p:grpSpPr>
-            <p:pic>
-              <p:nvPicPr>
-                <p:cNvPr id="9" name="Picture 8">
-                  <a:extLst>
-                    <a:ext uri="{FF2B5EF4-FFF2-40B4-BE49-F238E27FC236}">
-                      <a16:creationId xmlns:a16="http://schemas.microsoft.com/office/drawing/2014/main" id="{0FB00055-FAE6-D74C-B40C-8FDA85649012}"/>
-                    </a:ext>
-                  </a:extLst>
-                </p:cNvPr>
-                <p:cNvPicPr>
-                  <a:picLocks noChangeAspect="1"/>
-                </p:cNvPicPr>
-                <p:nvPr/>
-              </p:nvPicPr>
-              <p:blipFill>
-                <a:blip r:embed="rId2"/>
-                <a:stretch>
-                  <a:fillRect/>
-                </a:stretch>
-              </p:blipFill>
-              <p:spPr>
-                <a:xfrm>
-                  <a:off x="1617525" y="1588082"/>
-                  <a:ext cx="3229811" cy="3288384"/>
-                </a:xfrm>
-                <a:prstGeom prst="rect">
-                  <a:avLst/>
-                </a:prstGeom>
-              </p:spPr>
-            </p:pic>
-            <p:sp>
-              <p:nvSpPr>
-                <p:cNvPr id="10" name="TextBox 9">
-                  <a:extLst>
-                    <a:ext uri="{FF2B5EF4-FFF2-40B4-BE49-F238E27FC236}">
-                      <a16:creationId xmlns:a16="http://schemas.microsoft.com/office/drawing/2014/main" id="{0521C353-72AB-0149-9DAE-82FB6814F71C}"/>
-                    </a:ext>
-                  </a:extLst>
-                </p:cNvPr>
-                <p:cNvSpPr txBox="1"/>
-                <p:nvPr/>
-              </p:nvSpPr>
-              <p:spPr>
-                <a:xfrm>
-                  <a:off x="2639763" y="1218747"/>
-                  <a:ext cx="1107996" cy="369332"/>
-                </a:xfrm>
-                <a:prstGeom prst="rect">
-                  <a:avLst/>
-                </a:prstGeom>
-                <a:noFill/>
-              </p:spPr>
-              <p:txBody>
-                <a:bodyPr wrap="none" rtlCol="0">
-                  <a:spAutoFit/>
-                </a:bodyPr>
-                <a:lstStyle/>
-                <a:p>
-                  <a:r>
-                    <a:rPr lang="en-CN"/>
-                    <a:t>扫码抽奖</a:t>
-                  </a:r>
-                </a:p>
-              </p:txBody>
-            </p:sp>
-          </p:grpSp>
-        </p:grpSp>
-        <p:sp>
-          <p:nvSpPr>
-            <p:cNvPr id="12" name="Bent-Up Arrow 11">
-              <a:extLst>
-                <a:ext uri="{FF2B5EF4-FFF2-40B4-BE49-F238E27FC236}">
-                  <a16:creationId xmlns:a16="http://schemas.microsoft.com/office/drawing/2014/main" id="{9B076383-AEA6-6040-869E-C92736C717FA}"/>
-                </a:ext>
-              </a:extLst>
-            </p:cNvPr>
-            <p:cNvSpPr/>
-            <p:nvPr/>
-          </p:nvSpPr>
-          <p:spPr>
-            <a:xfrm>
-              <a:off x="5036371" y="5884432"/>
-              <a:ext cx="2119257" cy="207084"/>
-            </a:xfrm>
-            <a:prstGeom prst="bentUpArrow">
-              <a:avLst/>
-            </a:prstGeom>
-          </p:spPr>
-          <p:style>
-            <a:lnRef idx="2">
-              <a:schemeClr val="accent1">
-                <a:shade val="50000"/>
-              </a:schemeClr>
-            </a:lnRef>
-            <a:fillRef idx="1">
-              <a:schemeClr val="accent1"/>
-            </a:fillRef>
-            <a:effectRef idx="0">
-              <a:schemeClr val="accent1"/>
-            </a:effectRef>
-            <a:fontRef idx="minor">
-              <a:schemeClr val="lt1"/>
-            </a:fontRef>
-          </p:style>
-          <p:txBody>
-            <a:bodyPr rtlCol="0" anchor="ctr"/>
-            <a:lstStyle/>
-            <a:p>
-              <a:pPr algn="ctr"/>
-              <a:endParaRPr lang="en-CN"/>
-            </a:p>
-          </p:txBody>
-        </p:sp>
-      </p:grpSp>
+        </p:nvSpPr>
+        <p:spPr>
+          <a:xfrm>
+            <a:off x="4466563" y="5907357"/>
+            <a:ext cx="3372245" cy="253958"/>
+          </a:xfrm>
+          <a:prstGeom prst="bentUpArrow">
+            <a:avLst/>
+          </a:prstGeom>
+        </p:spPr>
+        <p:style>
+          <a:lnRef idx="2">
+            <a:schemeClr val="accent1">
+              <a:shade val="50000"/>
+            </a:schemeClr>
+          </a:lnRef>
+          <a:fillRef idx="1">
+            <a:schemeClr val="accent1"/>
+          </a:fillRef>
+          <a:effectRef idx="0">
+            <a:schemeClr val="accent1"/>
+          </a:effectRef>
+          <a:fontRef idx="minor">
+            <a:schemeClr val="lt1"/>
+          </a:fontRef>
+        </p:style>
+        <p:txBody>
+          <a:bodyPr rtlCol="0" anchor="ctr"/>
+          <a:lstStyle/>
+          <a:p>
+            <a:pPr algn="ctr"/>
+            <a:endParaRPr lang="en-CN"/>
+          </a:p>
+        </p:txBody>
+      </p:sp>
+      <p:sp>
+        <p:nvSpPr>
+          <p:cNvPr id="10" name="TextBox 9">
+            <a:extLst>
+              <a:ext uri="{FF2B5EF4-FFF2-40B4-BE49-F238E27FC236}">
+                <a16:creationId xmlns:a16="http://schemas.microsoft.com/office/drawing/2014/main" id="{0521C353-72AB-0149-9DAE-82FB6814F71C}"/>
+              </a:ext>
+            </a:extLst>
+          </p:cNvPr>
+          <p:cNvSpPr txBox="1"/>
+          <p:nvPr/>
+        </p:nvSpPr>
+        <p:spPr>
+          <a:xfrm>
+            <a:off x="9326436" y="1299114"/>
+            <a:ext cx="1335622" cy="369332"/>
+          </a:xfrm>
+          <a:prstGeom prst="rect">
+            <a:avLst/>
+          </a:prstGeom>
+          <a:noFill/>
+        </p:spPr>
+        <p:txBody>
+          <a:bodyPr wrap="none" rtlCol="0">
+            <a:spAutoFit/>
+          </a:bodyPr>
+          <a:lstStyle/>
+          <a:p>
+            <a:r>
+              <a:rPr lang="en-CN"/>
+              <a:t>3. 扫码抽奖</a:t>
+            </a:r>
+          </a:p>
+        </p:txBody>
+      </p:sp>
+      <p:pic>
+        <p:nvPicPr>
+          <p:cNvPr id="3" name="Picture 2">
+            <a:extLst>
+              <a:ext uri="{FF2B5EF4-FFF2-40B4-BE49-F238E27FC236}">
+                <a16:creationId xmlns:a16="http://schemas.microsoft.com/office/drawing/2014/main" id="{A0882D77-956C-D64E-8B99-0FB7F4D25A54}"/>
+              </a:ext>
+            </a:extLst>
+          </p:cNvPr>
+          <p:cNvPicPr>
+            <a:picLocks noChangeAspect="1"/>
+          </p:cNvPicPr>
+          <p:nvPr/>
+        </p:nvPicPr>
+        <p:blipFill>
+          <a:blip r:embed="rId2"/>
+          <a:stretch>
+            <a:fillRect/>
+          </a:stretch>
+        </p:blipFill>
+        <p:spPr>
+          <a:xfrm>
+            <a:off x="8308125" y="1789956"/>
+            <a:ext cx="3372245" cy="3273965"/>
+          </a:xfrm>
+          <a:prstGeom prst="rect">
+            <a:avLst/>
+          </a:prstGeom>
+        </p:spPr>
+      </p:pic>
+      <p:pic>
+        <p:nvPicPr>
+          <p:cNvPr id="14" name="Picture 13">
+            <a:extLst>
+              <a:ext uri="{FF2B5EF4-FFF2-40B4-BE49-F238E27FC236}">
+                <a16:creationId xmlns:a16="http://schemas.microsoft.com/office/drawing/2014/main" id="{58FD212C-21DE-254D-830F-0F733EBE80DE}"/>
+              </a:ext>
+            </a:extLst>
+          </p:cNvPr>
+          <p:cNvPicPr>
+            <a:picLocks noChangeAspect="1"/>
+          </p:cNvPicPr>
+          <p:nvPr/>
+        </p:nvPicPr>
+        <p:blipFill>
+          <a:blip r:embed="rId3"/>
+          <a:stretch>
+            <a:fillRect/>
+          </a:stretch>
+        </p:blipFill>
+        <p:spPr>
+          <a:xfrm>
+            <a:off x="4466563" y="1782746"/>
+            <a:ext cx="3229811" cy="3288384"/>
+          </a:xfrm>
+          <a:prstGeom prst="rect">
+            <a:avLst/>
+          </a:prstGeom>
+        </p:spPr>
+      </p:pic>
+      <p:sp>
+        <p:nvSpPr>
+          <p:cNvPr id="15" name="TextBox 14">
+            <a:extLst>
+              <a:ext uri="{FF2B5EF4-FFF2-40B4-BE49-F238E27FC236}">
+                <a16:creationId xmlns:a16="http://schemas.microsoft.com/office/drawing/2014/main" id="{29AD236F-9924-3241-BF2C-BC34C0DC213F}"/>
+              </a:ext>
+            </a:extLst>
+          </p:cNvPr>
+          <p:cNvSpPr txBox="1"/>
+          <p:nvPr/>
+        </p:nvSpPr>
+        <p:spPr>
+          <a:xfrm>
+            <a:off x="5339827" y="1299114"/>
+            <a:ext cx="1335622" cy="369332"/>
+          </a:xfrm>
+          <a:prstGeom prst="rect">
+            <a:avLst/>
+          </a:prstGeom>
+          <a:noFill/>
+        </p:spPr>
+        <p:txBody>
+          <a:bodyPr wrap="none" rtlCol="0">
+            <a:spAutoFit/>
+          </a:bodyPr>
+          <a:lstStyle/>
+          <a:p>
+            <a:r>
+              <a:rPr lang="en-US" altLang="zh-CN"/>
+              <a:t>2.</a:t>
+            </a:r>
+            <a:r>
+              <a:rPr lang="zh-CN" altLang="en-US"/>
+              <a:t> </a:t>
+            </a:r>
+            <a:r>
+              <a:rPr lang="en-CN"/>
+              <a:t>加我微信</a:t>
+            </a:r>
+          </a:p>
+        </p:txBody>
+      </p:sp>
+      <p:sp>
+        <p:nvSpPr>
+          <p:cNvPr id="6" name="TextBox 5">
+            <a:extLst>
+              <a:ext uri="{FF2B5EF4-FFF2-40B4-BE49-F238E27FC236}">
+                <a16:creationId xmlns:a16="http://schemas.microsoft.com/office/drawing/2014/main" id="{EA9E9E3F-B1B1-2945-9177-7E22A0EE16BC}"/>
+              </a:ext>
+            </a:extLst>
+          </p:cNvPr>
+          <p:cNvSpPr txBox="1"/>
+          <p:nvPr/>
+        </p:nvSpPr>
+        <p:spPr>
+          <a:xfrm>
+            <a:off x="1020089" y="1299114"/>
+            <a:ext cx="2421240" cy="369332"/>
+          </a:xfrm>
+          <a:prstGeom prst="rect">
+            <a:avLst/>
+          </a:prstGeom>
+          <a:noFill/>
+        </p:spPr>
+        <p:txBody>
+          <a:bodyPr wrap="none" rtlCol="0">
+            <a:spAutoFit/>
+          </a:bodyPr>
+          <a:lstStyle/>
+          <a:p>
+            <a:r>
+              <a:rPr lang="en-US" altLang="zh-CN"/>
+              <a:t>1.</a:t>
+            </a:r>
+            <a:r>
+              <a:rPr lang="zh-CN" altLang="en-US"/>
+              <a:t> </a:t>
+            </a:r>
+            <a:r>
+              <a:rPr lang="en-US" altLang="zh-CN"/>
+              <a:t>JFrog DevOps</a:t>
+            </a:r>
+            <a:r>
+              <a:rPr lang="zh-CN" altLang="en-US"/>
+              <a:t> </a:t>
+            </a:r>
+            <a:r>
+              <a:rPr lang="en-CN"/>
+              <a:t>交群流</a:t>
+            </a:r>
+          </a:p>
+        </p:txBody>
+      </p:sp>
+      <p:pic>
+        <p:nvPicPr>
+          <p:cNvPr id="16" name="Picture 15">
+            <a:extLst>
+              <a:ext uri="{FF2B5EF4-FFF2-40B4-BE49-F238E27FC236}">
+                <a16:creationId xmlns:a16="http://schemas.microsoft.com/office/drawing/2014/main" id="{2FE44AE4-29E1-AD40-B932-D1E3C3833AE0}"/>
+              </a:ext>
+            </a:extLst>
+          </p:cNvPr>
+          <p:cNvPicPr>
+            <a:picLocks noChangeAspect="1"/>
+          </p:cNvPicPr>
+          <p:nvPr/>
+        </p:nvPicPr>
+        <p:blipFill>
+          <a:blip r:embed="rId4"/>
+          <a:stretch>
+            <a:fillRect/>
+          </a:stretch>
+        </p:blipFill>
+        <p:spPr>
+          <a:xfrm>
+            <a:off x="566429" y="1782746"/>
+            <a:ext cx="3288384" cy="3288384"/>
+          </a:xfrm>
+          <a:prstGeom prst="rect">
+            <a:avLst/>
+          </a:prstGeom>
+        </p:spPr>
+      </p:pic>
+      <p:sp>
+        <p:nvSpPr>
+          <p:cNvPr id="21" name="TextBox 20">
+            <a:extLst>
+              <a:ext uri="{FF2B5EF4-FFF2-40B4-BE49-F238E27FC236}">
+                <a16:creationId xmlns:a16="http://schemas.microsoft.com/office/drawing/2014/main" id="{AC336522-A8FE-4B45-B141-FE26CA346292}"/>
+              </a:ext>
+            </a:extLst>
+          </p:cNvPr>
+          <p:cNvSpPr txBox="1"/>
+          <p:nvPr/>
+        </p:nvSpPr>
+        <p:spPr>
+          <a:xfrm>
+            <a:off x="5430593" y="5665004"/>
+            <a:ext cx="1099981" cy="369332"/>
+          </a:xfrm>
+          <a:prstGeom prst="rect">
+            <a:avLst/>
+          </a:prstGeom>
+          <a:noFill/>
+        </p:spPr>
+        <p:txBody>
+          <a:bodyPr wrap="none" rtlCol="0">
+            <a:spAutoFit/>
+          </a:bodyPr>
+          <a:lstStyle/>
+          <a:p>
+            <a:r>
+              <a:rPr lang="en-CN"/>
+              <a:t>请赐</a:t>
+            </a:r>
+            <a:r>
+              <a:rPr lang="zh-CN" altLang="en-US"/>
+              <a:t> </a:t>
+            </a:r>
+            <a:r>
+              <a:rPr lang="en-US" altLang="zh-CN"/>
+              <a:t>3</a:t>
+            </a:r>
+            <a:r>
+              <a:rPr lang="zh-CN" altLang="en-US"/>
+              <a:t> </a:t>
+            </a:r>
+            <a:r>
+              <a:rPr lang="en-CN"/>
+              <a:t>连</a:t>
+            </a:r>
+          </a:p>
+        </p:txBody>
+      </p:sp>
     </p:spTree>
     <p:extLst>
       <p:ext uri="{BB962C8B-B14F-4D97-AF65-F5344CB8AC3E}">
